--- a/docs/Serverless-PoC.pptx
+++ b/docs/Serverless-PoC.pptx
@@ -7,12 +7,12 @@
   <p:sldIdLst>
     <p:sldId id="256" r:id="rId2"/>
     <p:sldId id="258" r:id="rId3"/>
-    <p:sldId id="257" r:id="rId4"/>
-    <p:sldId id="259" r:id="rId5"/>
-    <p:sldId id="260" r:id="rId6"/>
-    <p:sldId id="261" r:id="rId7"/>
-    <p:sldId id="262" r:id="rId8"/>
-    <p:sldId id="263" r:id="rId9"/>
+    <p:sldId id="263" r:id="rId4"/>
+    <p:sldId id="257" r:id="rId5"/>
+    <p:sldId id="259" r:id="rId6"/>
+    <p:sldId id="260" r:id="rId7"/>
+    <p:sldId id="261" r:id="rId8"/>
+    <p:sldId id="262" r:id="rId9"/>
   </p:sldIdLst>
   <p:sldSz cx="12192000" cy="6858000"/>
   <p:notesSz cx="6858000" cy="9144000"/>
@@ -266,7 +266,7 @@
           <a:p>
             <a:fld id="{C5B91698-F9C7-467D-8F48-0707F582B958}" type="datetimeFigureOut">
               <a:rPr lang="en-US" smtClean="0"/>
-              <a:t>8/15/2019</a:t>
+              <a:t>8/16/2019</a:t>
             </a:fld>
             <a:endParaRPr lang="en-US"/>
           </a:p>
@@ -464,7 +464,7 @@
           <a:p>
             <a:fld id="{C5B91698-F9C7-467D-8F48-0707F582B958}" type="datetimeFigureOut">
               <a:rPr lang="en-US" smtClean="0"/>
-              <a:t>8/15/2019</a:t>
+              <a:t>8/16/2019</a:t>
             </a:fld>
             <a:endParaRPr lang="en-US"/>
           </a:p>
@@ -672,7 +672,7 @@
           <a:p>
             <a:fld id="{C5B91698-F9C7-467D-8F48-0707F582B958}" type="datetimeFigureOut">
               <a:rPr lang="en-US" smtClean="0"/>
-              <a:t>8/15/2019</a:t>
+              <a:t>8/16/2019</a:t>
             </a:fld>
             <a:endParaRPr lang="en-US"/>
           </a:p>
@@ -870,7 +870,7 @@
           <a:p>
             <a:fld id="{C5B91698-F9C7-467D-8F48-0707F582B958}" type="datetimeFigureOut">
               <a:rPr lang="en-US" smtClean="0"/>
-              <a:t>8/15/2019</a:t>
+              <a:t>8/16/2019</a:t>
             </a:fld>
             <a:endParaRPr lang="en-US"/>
           </a:p>
@@ -1145,7 +1145,7 @@
           <a:p>
             <a:fld id="{C5B91698-F9C7-467D-8F48-0707F582B958}" type="datetimeFigureOut">
               <a:rPr lang="en-US" smtClean="0"/>
-              <a:t>8/15/2019</a:t>
+              <a:t>8/16/2019</a:t>
             </a:fld>
             <a:endParaRPr lang="en-US"/>
           </a:p>
@@ -1410,7 +1410,7 @@
           <a:p>
             <a:fld id="{C5B91698-F9C7-467D-8F48-0707F582B958}" type="datetimeFigureOut">
               <a:rPr lang="en-US" smtClean="0"/>
-              <a:t>8/15/2019</a:t>
+              <a:t>8/16/2019</a:t>
             </a:fld>
             <a:endParaRPr lang="en-US"/>
           </a:p>
@@ -1822,7 +1822,7 @@
           <a:p>
             <a:fld id="{C5B91698-F9C7-467D-8F48-0707F582B958}" type="datetimeFigureOut">
               <a:rPr lang="en-US" smtClean="0"/>
-              <a:t>8/15/2019</a:t>
+              <a:t>8/16/2019</a:t>
             </a:fld>
             <a:endParaRPr lang="en-US"/>
           </a:p>
@@ -1963,7 +1963,7 @@
           <a:p>
             <a:fld id="{C5B91698-F9C7-467D-8F48-0707F582B958}" type="datetimeFigureOut">
               <a:rPr lang="en-US" smtClean="0"/>
-              <a:t>8/15/2019</a:t>
+              <a:t>8/16/2019</a:t>
             </a:fld>
             <a:endParaRPr lang="en-US"/>
           </a:p>
@@ -2076,7 +2076,7 @@
           <a:p>
             <a:fld id="{C5B91698-F9C7-467D-8F48-0707F582B958}" type="datetimeFigureOut">
               <a:rPr lang="en-US" smtClean="0"/>
-              <a:t>8/15/2019</a:t>
+              <a:t>8/16/2019</a:t>
             </a:fld>
             <a:endParaRPr lang="en-US"/>
           </a:p>
@@ -2387,7 +2387,7 @@
           <a:p>
             <a:fld id="{C5B91698-F9C7-467D-8F48-0707F582B958}" type="datetimeFigureOut">
               <a:rPr lang="en-US" smtClean="0"/>
-              <a:t>8/15/2019</a:t>
+              <a:t>8/16/2019</a:t>
             </a:fld>
             <a:endParaRPr lang="en-US"/>
           </a:p>
@@ -2675,7 +2675,7 @@
           <a:p>
             <a:fld id="{C5B91698-F9C7-467D-8F48-0707F582B958}" type="datetimeFigureOut">
               <a:rPr lang="en-US" smtClean="0"/>
-              <a:t>8/15/2019</a:t>
+              <a:t>8/16/2019</a:t>
             </a:fld>
             <a:endParaRPr lang="en-US"/>
           </a:p>
@@ -2916,7 +2916,7 @@
           <a:p>
             <a:fld id="{C5B91698-F9C7-467D-8F48-0707F582B958}" type="datetimeFigureOut">
               <a:rPr lang="en-US" smtClean="0"/>
-              <a:t>8/15/2019</a:t>
+              <a:t>8/16/2019</a:t>
             </a:fld>
             <a:endParaRPr lang="en-US"/>
           </a:p>
@@ -3523,6 +3523,139 @@
           <p:cNvPr id="2" name="Title 1">
             <a:extLst>
               <a:ext uri="{FF2B5EF4-FFF2-40B4-BE49-F238E27FC236}">
+                <a16:creationId xmlns:a16="http://schemas.microsoft.com/office/drawing/2014/main" id="{0688208C-FCCC-4087-8CFB-7EA57C2D0CCD}"/>
+              </a:ext>
+            </a:extLst>
+          </p:cNvPr>
+          <p:cNvSpPr>
+            <a:spLocks noGrp="1"/>
+          </p:cNvSpPr>
+          <p:nvPr>
+            <p:ph type="title"/>
+          </p:nvPr>
+        </p:nvSpPr>
+        <p:spPr/>
+        <p:txBody>
+          <a:bodyPr/>
+          <a:lstStyle/>
+          <a:p>
+            <a:r>
+              <a:rPr lang="en-US" dirty="0"/>
+              <a:t>Reference Architecture from Azure Docs</a:t>
+            </a:r>
+          </a:p>
+        </p:txBody>
+      </p:sp>
+      <p:pic>
+        <p:nvPicPr>
+          <p:cNvPr id="4" name="Picture 3" descr="A screenshot of a cell phone&#10;&#10;Description automatically generated">
+            <a:extLst>
+              <a:ext uri="{FF2B5EF4-FFF2-40B4-BE49-F238E27FC236}">
+                <a16:creationId xmlns:a16="http://schemas.microsoft.com/office/drawing/2014/main" id="{1016B49D-3D74-430C-8DBD-28F21F0BAE80}"/>
+              </a:ext>
+            </a:extLst>
+          </p:cNvPr>
+          <p:cNvPicPr>
+            <a:picLocks noChangeAspect="1"/>
+          </p:cNvPicPr>
+          <p:nvPr/>
+        </p:nvPicPr>
+        <p:blipFill>
+          <a:blip r:embed="rId2">
+            <a:extLst>
+              <a:ext uri="{28A0092B-C50C-407E-A947-70E740481C1C}">
+                <a14:useLocalDpi xmlns:a14="http://schemas.microsoft.com/office/drawing/2010/main" val="0"/>
+              </a:ext>
+            </a:extLst>
+          </a:blip>
+          <a:stretch>
+            <a:fillRect/>
+          </a:stretch>
+        </p:blipFill>
+        <p:spPr>
+          <a:xfrm>
+            <a:off x="1580759" y="2088819"/>
+            <a:ext cx="8615784" cy="3866708"/>
+          </a:xfrm>
+          <a:prstGeom prst="rect">
+            <a:avLst/>
+          </a:prstGeom>
+        </p:spPr>
+      </p:pic>
+      <p:pic>
+        <p:nvPicPr>
+          <p:cNvPr id="6" name="Graphic 5">
+            <a:extLst>
+              <a:ext uri="{FF2B5EF4-FFF2-40B4-BE49-F238E27FC236}">
+                <a16:creationId xmlns:a16="http://schemas.microsoft.com/office/drawing/2014/main" id="{8AC367C8-C80B-4B84-984A-ABC342ACCEC6}"/>
+              </a:ext>
+            </a:extLst>
+          </p:cNvPr>
+          <p:cNvPicPr>
+            <a:picLocks noChangeAspect="1"/>
+          </p:cNvPicPr>
+          <p:nvPr/>
+        </p:nvPicPr>
+        <p:blipFill>
+          <a:blip r:embed="rId3">
+            <a:extLst>
+              <a:ext uri="{28A0092B-C50C-407E-A947-70E740481C1C}">
+                <a14:useLocalDpi xmlns:a14="http://schemas.microsoft.com/office/drawing/2010/main" val="0"/>
+              </a:ext>
+              <a:ext uri="{96DAC541-7B7A-43D3-8B79-37D633B846F1}">
+                <asvg:svgBlip xmlns:asvg="http://schemas.microsoft.com/office/drawing/2016/SVG/main" r:embed="rId4"/>
+              </a:ext>
+            </a:extLst>
+          </a:blip>
+          <a:stretch>
+            <a:fillRect/>
+          </a:stretch>
+        </p:blipFill>
+        <p:spPr>
+          <a:xfrm>
+            <a:off x="5857875" y="3190875"/>
+            <a:ext cx="476250" cy="476250"/>
+          </a:xfrm>
+          <a:prstGeom prst="rect">
+            <a:avLst/>
+          </a:prstGeom>
+        </p:spPr>
+      </p:pic>
+    </p:spTree>
+    <p:extLst>
+      <p:ext uri="{BB962C8B-B14F-4D97-AF65-F5344CB8AC3E}">
+        <p14:creationId xmlns:p14="http://schemas.microsoft.com/office/powerpoint/2010/main" val="2950047034"/>
+      </p:ext>
+    </p:extLst>
+  </p:cSld>
+  <p:clrMapOvr>
+    <a:masterClrMapping/>
+  </p:clrMapOvr>
+</p:sld>
+</file>
+
+<file path=ppt/slides/slide4.xml><?xml version="1.0" encoding="utf-8"?>
+<p:sld xmlns:a="http://schemas.openxmlformats.org/drawingml/2006/main" xmlns:r="http://schemas.openxmlformats.org/officeDocument/2006/relationships" xmlns:p="http://schemas.openxmlformats.org/presentationml/2006/main">
+  <p:cSld>
+    <p:spTree>
+      <p:nvGrpSpPr>
+        <p:cNvPr id="1" name=""/>
+        <p:cNvGrpSpPr/>
+        <p:nvPr/>
+      </p:nvGrpSpPr>
+      <p:grpSpPr>
+        <a:xfrm>
+          <a:off x="0" y="0"/>
+          <a:ext cx="0" cy="0"/>
+          <a:chOff x="0" y="0"/>
+          <a:chExt cx="0" cy="0"/>
+        </a:xfrm>
+      </p:grpSpPr>
+      <p:sp>
+        <p:nvSpPr>
+          <p:cNvPr id="2" name="Title 1">
+            <a:extLst>
+              <a:ext uri="{FF2B5EF4-FFF2-40B4-BE49-F238E27FC236}">
                 <a16:creationId xmlns:a16="http://schemas.microsoft.com/office/drawing/2014/main" id="{D0243F44-6B4F-4C26-8BE6-7BF7D6580193}"/>
               </a:ext>
             </a:extLst>
@@ -3541,7 +3674,7 @@
           <a:p>
             <a:r>
               <a:rPr lang="en-US" dirty="0"/>
-              <a:t>Reference Architecture</a:t>
+              <a:t>Sample Reference Architecture</a:t>
             </a:r>
           </a:p>
         </p:txBody>
@@ -4080,7 +4213,7 @@
         </p:nvSpPr>
         <p:spPr>
           <a:xfrm>
-            <a:off x="5151080" y="4323634"/>
+            <a:off x="6501078" y="4732656"/>
             <a:ext cx="1449963" cy="276999"/>
           </a:xfrm>
           <a:prstGeom prst="rect">
@@ -4225,144 +4358,175 @@
           </a:fontRef>
         </p:style>
       </p:cxnSp>
+      <p:pic>
+        <p:nvPicPr>
+          <p:cNvPr id="4" name="Graphic 3">
+            <a:extLst>
+              <a:ext uri="{FF2B5EF4-FFF2-40B4-BE49-F238E27FC236}">
+                <a16:creationId xmlns:a16="http://schemas.microsoft.com/office/drawing/2014/main" id="{6110EC2F-3C08-4F3D-8F34-8F53287B7ADA}"/>
+              </a:ext>
+            </a:extLst>
+          </p:cNvPr>
+          <p:cNvPicPr>
+            <a:picLocks noChangeAspect="1"/>
+          </p:cNvPicPr>
+          <p:nvPr/>
+        </p:nvPicPr>
+        <p:blipFill>
+          <a:blip r:embed="rId11">
+            <a:extLst>
+              <a:ext uri="{28A0092B-C50C-407E-A947-70E740481C1C}">
+                <a14:useLocalDpi xmlns:a14="http://schemas.microsoft.com/office/drawing/2010/main" val="0"/>
+              </a:ext>
+              <a:ext uri="{96DAC541-7B7A-43D3-8B79-37D633B846F1}">
+                <asvg:svgBlip xmlns:asvg="http://schemas.microsoft.com/office/drawing/2016/SVG/main" r:embed="rId12"/>
+              </a:ext>
+            </a:extLst>
+          </a:blip>
+          <a:stretch>
+            <a:fillRect/>
+          </a:stretch>
+        </p:blipFill>
+        <p:spPr>
+          <a:xfrm>
+            <a:off x="6625735" y="1448740"/>
+            <a:ext cx="1067419" cy="1067419"/>
+          </a:xfrm>
+          <a:prstGeom prst="rect">
+            <a:avLst/>
+          </a:prstGeom>
+        </p:spPr>
+      </p:pic>
+      <p:cxnSp>
+        <p:nvCxnSpPr>
+          <p:cNvPr id="25" name="Connector: Elbow 24">
+            <a:extLst>
+              <a:ext uri="{FF2B5EF4-FFF2-40B4-BE49-F238E27FC236}">
+                <a16:creationId xmlns:a16="http://schemas.microsoft.com/office/drawing/2014/main" id="{428DE0E8-D939-4EA3-A395-0CBE8FCDCDE2}"/>
+              </a:ext>
+            </a:extLst>
+          </p:cNvPr>
+          <p:cNvCxnSpPr>
+            <a:cxnSpLocks/>
+            <a:stCxn id="12" idx="0"/>
+            <a:endCxn id="4" idx="3"/>
+          </p:cNvCxnSpPr>
+          <p:nvPr/>
+        </p:nvCxnSpPr>
+        <p:spPr>
+          <a:xfrm rot="16200000" flipV="1">
+            <a:off x="8319300" y="1356305"/>
+            <a:ext cx="821073" cy="2073364"/>
+          </a:xfrm>
+          <a:prstGeom prst="bentConnector2">
+            <a:avLst/>
+          </a:prstGeom>
+          <a:ln w="38100">
+            <a:prstDash val="solid"/>
+            <a:headEnd type="triangle" w="lg" len="lg"/>
+            <a:tailEnd type="triangle" w="lg" len="lg"/>
+          </a:ln>
+        </p:spPr>
+        <p:style>
+          <a:lnRef idx="1">
+            <a:schemeClr val="accent1"/>
+          </a:lnRef>
+          <a:fillRef idx="0">
+            <a:schemeClr val="accent1"/>
+          </a:fillRef>
+          <a:effectRef idx="0">
+            <a:schemeClr val="accent1"/>
+          </a:effectRef>
+          <a:fontRef idx="minor">
+            <a:schemeClr val="tx1"/>
+          </a:fontRef>
+        </p:style>
+      </p:cxnSp>
+      <p:cxnSp>
+        <p:nvCxnSpPr>
+          <p:cNvPr id="28" name="Connector: Elbow 27">
+            <a:extLst>
+              <a:ext uri="{FF2B5EF4-FFF2-40B4-BE49-F238E27FC236}">
+                <a16:creationId xmlns:a16="http://schemas.microsoft.com/office/drawing/2014/main" id="{593CE9F3-8F48-4F7D-A8DE-4FB4148A503D}"/>
+              </a:ext>
+            </a:extLst>
+          </p:cNvPr>
+          <p:cNvCxnSpPr>
+            <a:cxnSpLocks/>
+            <a:stCxn id="6" idx="0"/>
+            <a:endCxn id="4" idx="1"/>
+          </p:cNvCxnSpPr>
+          <p:nvPr/>
+        </p:nvCxnSpPr>
+        <p:spPr>
+          <a:xfrm rot="5400000" flipH="1" flipV="1">
+            <a:off x="5391452" y="1459677"/>
+            <a:ext cx="711510" cy="1757056"/>
+          </a:xfrm>
+          <a:prstGeom prst="bentConnector2">
+            <a:avLst/>
+          </a:prstGeom>
+          <a:ln w="38100">
+            <a:prstDash val="solid"/>
+            <a:headEnd type="triangle" w="lg" len="lg"/>
+            <a:tailEnd type="triangle" w="lg" len="lg"/>
+          </a:ln>
+        </p:spPr>
+        <p:style>
+          <a:lnRef idx="1">
+            <a:schemeClr val="accent1"/>
+          </a:lnRef>
+          <a:fillRef idx="0">
+            <a:schemeClr val="accent1"/>
+          </a:fillRef>
+          <a:effectRef idx="0">
+            <a:schemeClr val="accent1"/>
+          </a:effectRef>
+          <a:fontRef idx="minor">
+            <a:schemeClr val="tx1"/>
+          </a:fontRef>
+        </p:style>
+      </p:cxnSp>
+      <p:sp>
+        <p:nvSpPr>
+          <p:cNvPr id="31" name="TextBox 30">
+            <a:extLst>
+              <a:ext uri="{FF2B5EF4-FFF2-40B4-BE49-F238E27FC236}">
+                <a16:creationId xmlns:a16="http://schemas.microsoft.com/office/drawing/2014/main" id="{D08DD76D-F960-4077-A8A3-92D511AD144D}"/>
+              </a:ext>
+            </a:extLst>
+          </p:cNvPr>
+          <p:cNvSpPr txBox="1"/>
+          <p:nvPr/>
+        </p:nvSpPr>
+        <p:spPr>
+          <a:xfrm>
+            <a:off x="6561756" y="1372963"/>
+            <a:ext cx="1271902" cy="276999"/>
+          </a:xfrm>
+          <a:prstGeom prst="rect">
+            <a:avLst/>
+          </a:prstGeom>
+          <a:noFill/>
+        </p:spPr>
+        <p:txBody>
+          <a:bodyPr wrap="square" rtlCol="0">
+            <a:spAutoFit/>
+          </a:bodyPr>
+          <a:lstStyle/>
+          <a:p>
+            <a:pPr algn="ctr"/>
+            <a:r>
+              <a:rPr lang="en-US" sz="1200" dirty="0"/>
+              <a:t>Task Logic App</a:t>
+            </a:r>
+          </a:p>
+        </p:txBody>
+      </p:sp>
     </p:spTree>
     <p:extLst>
       <p:ext uri="{BB962C8B-B14F-4D97-AF65-F5344CB8AC3E}">
         <p14:creationId xmlns:p14="http://schemas.microsoft.com/office/powerpoint/2010/main" val="131544104"/>
-      </p:ext>
-    </p:extLst>
-  </p:cSld>
-  <p:clrMapOvr>
-    <a:masterClrMapping/>
-  </p:clrMapOvr>
-</p:sld>
-</file>
-
-<file path=ppt/slides/slide4.xml><?xml version="1.0" encoding="utf-8"?>
-<p:sld xmlns:a="http://schemas.openxmlformats.org/drawingml/2006/main" xmlns:r="http://schemas.openxmlformats.org/officeDocument/2006/relationships" xmlns:p="http://schemas.openxmlformats.org/presentationml/2006/main">
-  <p:cSld>
-    <p:spTree>
-      <p:nvGrpSpPr>
-        <p:cNvPr id="1" name=""/>
-        <p:cNvGrpSpPr/>
-        <p:nvPr/>
-      </p:nvGrpSpPr>
-      <p:grpSpPr>
-        <a:xfrm>
-          <a:off x="0" y="0"/>
-          <a:ext cx="0" cy="0"/>
-          <a:chOff x="0" y="0"/>
-          <a:chExt cx="0" cy="0"/>
-        </a:xfrm>
-      </p:grpSpPr>
-      <p:sp>
-        <p:nvSpPr>
-          <p:cNvPr id="2" name="Title 1">
-            <a:extLst>
-              <a:ext uri="{FF2B5EF4-FFF2-40B4-BE49-F238E27FC236}">
-                <a16:creationId xmlns:a16="http://schemas.microsoft.com/office/drawing/2014/main" id="{E57CE089-912C-41AB-BD9B-00710369B83B}"/>
-              </a:ext>
-            </a:extLst>
-          </p:cNvPr>
-          <p:cNvSpPr>
-            <a:spLocks noGrp="1"/>
-          </p:cNvSpPr>
-          <p:nvPr>
-            <p:ph type="title"/>
-          </p:nvPr>
-        </p:nvSpPr>
-        <p:spPr/>
-        <p:txBody>
-          <a:bodyPr/>
-          <a:lstStyle/>
-          <a:p>
-            <a:r>
-              <a:rPr lang="en-US" dirty="0"/>
-              <a:t>Artifacts</a:t>
-            </a:r>
-          </a:p>
-        </p:txBody>
-      </p:sp>
-      <p:sp>
-        <p:nvSpPr>
-          <p:cNvPr id="3" name="Content Placeholder 2">
-            <a:extLst>
-              <a:ext uri="{FF2B5EF4-FFF2-40B4-BE49-F238E27FC236}">
-                <a16:creationId xmlns:a16="http://schemas.microsoft.com/office/drawing/2014/main" id="{D23AF2BA-53CD-477A-B1DA-1DF938F23847}"/>
-              </a:ext>
-            </a:extLst>
-          </p:cNvPr>
-          <p:cNvSpPr>
-            <a:spLocks noGrp="1"/>
-          </p:cNvSpPr>
-          <p:nvPr>
-            <p:ph idx="1"/>
-          </p:nvPr>
-        </p:nvSpPr>
-        <p:spPr/>
-        <p:txBody>
-          <a:bodyPr/>
-          <a:lstStyle/>
-          <a:p>
-            <a:r>
-              <a:rPr lang="en-US" dirty="0"/>
-              <a:t>Azure DevOps Repo </a:t>
-            </a:r>
-            <a:r>
-              <a:rPr lang="en-US" dirty="0">
-                <a:hlinkClick r:id="rId2"/>
-              </a:rPr>
-              <a:t>located here</a:t>
-            </a:r>
-            <a:endParaRPr lang="en-US" dirty="0"/>
-          </a:p>
-          <a:p>
-            <a:r>
-              <a:rPr lang="en-US" dirty="0"/>
-              <a:t>Folder Structure</a:t>
-            </a:r>
-          </a:p>
-          <a:p>
-            <a:pPr lvl="1"/>
-            <a:r>
-              <a:rPr lang="en-US" dirty="0"/>
-              <a:t>React Web UI project </a:t>
-            </a:r>
-          </a:p>
-          <a:p>
-            <a:pPr lvl="1"/>
-            <a:r>
-              <a:rPr lang="en-US" dirty="0" err="1"/>
-              <a:t>Javascript</a:t>
-            </a:r>
-            <a:r>
-              <a:rPr lang="en-US" dirty="0"/>
-              <a:t> Function project </a:t>
-            </a:r>
-          </a:p>
-          <a:p>
-            <a:pPr lvl="1"/>
-            <a:r>
-              <a:rPr lang="en-US" dirty="0"/>
-              <a:t>Docs – General documentation</a:t>
-            </a:r>
-          </a:p>
-          <a:p>
-            <a:r>
-              <a:rPr lang="en-US" dirty="0"/>
-              <a:t>VS Code is used as the primary development tool </a:t>
-            </a:r>
-          </a:p>
-          <a:p>
-            <a:pPr lvl="1"/>
-            <a:endParaRPr lang="en-US" dirty="0"/>
-          </a:p>
-        </p:txBody>
-      </p:sp>
-    </p:spTree>
-    <p:extLst>
-      <p:ext uri="{BB962C8B-B14F-4D97-AF65-F5344CB8AC3E}">
-        <p14:creationId xmlns:p14="http://schemas.microsoft.com/office/powerpoint/2010/main" val="1178290975"/>
       </p:ext>
     </p:extLst>
   </p:cSld>
@@ -4394,7 +4558,7 @@
           <p:cNvPr id="2" name="Title 1">
             <a:extLst>
               <a:ext uri="{FF2B5EF4-FFF2-40B4-BE49-F238E27FC236}">
-                <a16:creationId xmlns:a16="http://schemas.microsoft.com/office/drawing/2014/main" id="{6779C353-2FC9-43D3-AF0D-C155A7D57B5B}"/>
+                <a16:creationId xmlns:a16="http://schemas.microsoft.com/office/drawing/2014/main" id="{E57CE089-912C-41AB-BD9B-00710369B83B}"/>
               </a:ext>
             </a:extLst>
           </p:cNvPr>
@@ -4412,7 +4576,7 @@
           <a:p>
             <a:r>
               <a:rPr lang="en-US" dirty="0"/>
-              <a:t>Resources</a:t>
+              <a:t>Artifacts</a:t>
             </a:r>
           </a:p>
         </p:txBody>
@@ -4422,7 +4586,7 @@
           <p:cNvPr id="3" name="Content Placeholder 2">
             <a:extLst>
               <a:ext uri="{FF2B5EF4-FFF2-40B4-BE49-F238E27FC236}">
-                <a16:creationId xmlns:a16="http://schemas.microsoft.com/office/drawing/2014/main" id="{B52E576D-58BF-4827-833C-136109A247F1}"/>
+                <a16:creationId xmlns:a16="http://schemas.microsoft.com/office/drawing/2014/main" id="{D23AF2BA-53CD-477A-B1DA-1DF938F23847}"/>
               </a:ext>
             </a:extLst>
           </p:cNvPr>
@@ -4438,42 +4602,57 @@
           <a:bodyPr/>
           <a:lstStyle/>
           <a:p>
+            <a:r>
+              <a:rPr lang="en-US" dirty="0"/>
+              <a:t>Azure DevOps Repo </a:t>
+            </a:r>
             <a:r>
               <a:rPr lang="en-US" dirty="0">
                 <a:hlinkClick r:id="rId2"/>
               </a:rPr>
-              <a:t>VS Code React Tutorial</a:t>
+              <a:t>located here</a:t>
             </a:r>
             <a:endParaRPr lang="en-US" dirty="0"/>
           </a:p>
           <a:p>
             <a:r>
-              <a:rPr lang="en-US" dirty="0">
-                <a:hlinkClick r:id="rId3"/>
-              </a:rPr>
-              <a:t>Azure Function – JavaScript</a:t>
-            </a:r>
-            <a:endParaRPr lang="en-US" dirty="0"/>
-          </a:p>
-          <a:p>
-            <a:r>
-              <a:rPr lang="en-US" dirty="0">
-                <a:hlinkClick r:id="rId4"/>
-              </a:rPr>
-              <a:t>Azure Function – Cosmos DB bindings</a:t>
-            </a:r>
-            <a:endParaRPr lang="en-US" dirty="0"/>
-          </a:p>
-          <a:p>
-            <a:r>
-              <a:rPr lang="en-US" dirty="0">
-                <a:hlinkClick r:id="rId5"/>
-              </a:rPr>
-              <a:t>Create Azure Functions using VS Code</a:t>
-            </a:r>
-            <a:endParaRPr lang="en-US" dirty="0"/>
-          </a:p>
-          <a:p>
+              <a:rPr lang="en-US" dirty="0"/>
+              <a:t>Folder Structure</a:t>
+            </a:r>
+          </a:p>
+          <a:p>
+            <a:pPr lvl="1"/>
+            <a:r>
+              <a:rPr lang="en-US" dirty="0"/>
+              <a:t>React Web UI project </a:t>
+            </a:r>
+          </a:p>
+          <a:p>
+            <a:pPr lvl="1"/>
+            <a:r>
+              <a:rPr lang="en-US" dirty="0" err="1"/>
+              <a:t>Javascript</a:t>
+            </a:r>
+            <a:r>
+              <a:rPr lang="en-US" dirty="0"/>
+              <a:t> Function project </a:t>
+            </a:r>
+          </a:p>
+          <a:p>
+            <a:pPr lvl="1"/>
+            <a:r>
+              <a:rPr lang="en-US" dirty="0"/>
+              <a:t>Docs – General documentation</a:t>
+            </a:r>
+          </a:p>
+          <a:p>
+            <a:r>
+              <a:rPr lang="en-US" dirty="0"/>
+              <a:t>VS Code is used as the primary development tool </a:t>
+            </a:r>
+          </a:p>
+          <a:p>
+            <a:pPr lvl="1"/>
             <a:endParaRPr lang="en-US" dirty="0"/>
           </a:p>
         </p:txBody>
@@ -4481,7 +4660,7 @@
     </p:spTree>
     <p:extLst>
       <p:ext uri="{BB962C8B-B14F-4D97-AF65-F5344CB8AC3E}">
-        <p14:creationId xmlns:p14="http://schemas.microsoft.com/office/powerpoint/2010/main" val="1361903100"/>
+        <p14:creationId xmlns:p14="http://schemas.microsoft.com/office/powerpoint/2010/main" val="1178290975"/>
       </p:ext>
     </p:extLst>
   </p:cSld>
@@ -4513,7 +4692,7 @@
           <p:cNvPr id="2" name="Title 1">
             <a:extLst>
               <a:ext uri="{FF2B5EF4-FFF2-40B4-BE49-F238E27FC236}">
-                <a16:creationId xmlns:a16="http://schemas.microsoft.com/office/drawing/2014/main" id="{87CB4139-03BA-4578-8AA0-665B5E166079}"/>
+                <a16:creationId xmlns:a16="http://schemas.microsoft.com/office/drawing/2014/main" id="{6779C353-2FC9-43D3-AF0D-C155A7D57B5B}"/>
               </a:ext>
             </a:extLst>
           </p:cNvPr>
@@ -4531,7 +4710,7 @@
           <a:p>
             <a:r>
               <a:rPr lang="en-US" dirty="0"/>
-              <a:t>More Resources (1)</a:t>
+              <a:t>Resources</a:t>
             </a:r>
           </a:p>
         </p:txBody>
@@ -4541,7 +4720,7 @@
           <p:cNvPr id="3" name="Content Placeholder 2">
             <a:extLst>
               <a:ext uri="{FF2B5EF4-FFF2-40B4-BE49-F238E27FC236}">
-                <a16:creationId xmlns:a16="http://schemas.microsoft.com/office/drawing/2014/main" id="{B66B0939-A2F1-423E-99E4-BAB852BF7460}"/>
+                <a16:creationId xmlns:a16="http://schemas.microsoft.com/office/drawing/2014/main" id="{B52E576D-58BF-4827-833C-136109A247F1}"/>
               </a:ext>
             </a:extLst>
           </p:cNvPr>
@@ -4554,16 +4733,14 @@
         </p:nvSpPr>
         <p:spPr/>
         <p:txBody>
-          <a:bodyPr>
-            <a:normAutofit fontScale="70000" lnSpcReduction="20000"/>
-          </a:bodyPr>
+          <a:bodyPr/>
           <a:lstStyle/>
           <a:p>
             <a:r>
               <a:rPr lang="en-US" dirty="0">
                 <a:hlinkClick r:id="rId2"/>
               </a:rPr>
-              <a:t>https://medium.com/codingthesmartway-com-blog/the-mern-stack-tutorial-building-a-react-crud-application-from-start-to-finish-part-1-d8d701c2995</a:t>
+              <a:t>VS Code React Tutorial</a:t>
             </a:r>
             <a:endParaRPr lang="en-US" dirty="0"/>
           </a:p>
@@ -4572,7 +4749,7 @@
               <a:rPr lang="en-US" dirty="0">
                 <a:hlinkClick r:id="rId3"/>
               </a:rPr>
-              <a:t>https://jasonwatmore.com/post/2018/09/11/react-basic-http-authentication-tutorial-example</a:t>
+              <a:t>Azure Function – JavaScript</a:t>
             </a:r>
             <a:endParaRPr lang="en-US" dirty="0"/>
           </a:p>
@@ -4581,7 +4758,7 @@
               <a:rPr lang="en-US" dirty="0">
                 <a:hlinkClick r:id="rId4"/>
               </a:rPr>
-              <a:t>https://medium.com/@fiqriismail/how-to-secure-your-reactjs-frontend-with-azure-ad-b2c-8fd165f602e8</a:t>
+              <a:t>Azure Function – Cosmos DB bindings</a:t>
             </a:r>
             <a:endParaRPr lang="en-US" dirty="0"/>
           </a:p>
@@ -4590,52 +4767,7 @@
               <a:rPr lang="en-US" dirty="0">
                 <a:hlinkClick r:id="rId5"/>
               </a:rPr>
-              <a:t>https://docs.microsoft.com/en-us/azure/api-management/api-management-howto-protect-backend-with-aad</a:t>
-            </a:r>
-            <a:endParaRPr lang="en-US" dirty="0"/>
-          </a:p>
-          <a:p>
-            <a:r>
-              <a:rPr lang="en-US" dirty="0">
-                <a:hlinkClick r:id="rId6"/>
-              </a:rPr>
-              <a:t>https://docs.microsoft.com/en-us/azure/azure-functions/functions-bindings-cosmosdb-v2#input---examples</a:t>
-            </a:r>
-            <a:endParaRPr lang="en-US" dirty="0"/>
-          </a:p>
-          <a:p>
-            <a:r>
-              <a:rPr lang="en-US" dirty="0">
-                <a:hlinkClick r:id="rId7"/>
-              </a:rPr>
-              <a:t>https://docs.microsoft.com/en-us/azure/azure-functions/functions-reference-node</a:t>
-            </a:r>
-            <a:endParaRPr lang="en-US" dirty="0"/>
-          </a:p>
-          <a:p>
-            <a:r>
-              <a:rPr lang="en-US" dirty="0">
-                <a:hlinkClick r:id="rId8"/>
-              </a:rPr>
-              <a:t>https://docs.microsoft.com/en-us/azure/azure-functions/functions-create-first-azure-function-azure-cli</a:t>
-            </a:r>
-            <a:endParaRPr lang="en-US" dirty="0"/>
-          </a:p>
-          <a:p>
-            <a:r>
-              <a:rPr lang="en-US" dirty="0">
-                <a:hlinkClick r:id="rId9"/>
-              </a:rPr>
-              <a:t>https://liftcodeplay.com/2018/09/10/enabling-cors-for-azure-function-local-development/</a:t>
-            </a:r>
-            <a:endParaRPr lang="en-US" dirty="0"/>
-          </a:p>
-          <a:p>
-            <a:r>
-              <a:rPr lang="en-US" dirty="0">
-                <a:hlinkClick r:id="rId10"/>
-              </a:rPr>
-              <a:t>https://stackoverflow.com/questions/52852018/use-npm-uuid-in-reactjs</a:t>
+              <a:t>Create Azure Functions using VS Code</a:t>
             </a:r>
             <a:endParaRPr lang="en-US" dirty="0"/>
           </a:p>
@@ -4647,7 +4779,7 @@
     </p:spTree>
     <p:extLst>
       <p:ext uri="{BB962C8B-B14F-4D97-AF65-F5344CB8AC3E}">
-        <p14:creationId xmlns:p14="http://schemas.microsoft.com/office/powerpoint/2010/main" val="2839819500"/>
+        <p14:creationId xmlns:p14="http://schemas.microsoft.com/office/powerpoint/2010/main" val="1361903100"/>
       </p:ext>
     </p:extLst>
   </p:cSld>
@@ -4697,7 +4829,7 @@
           <a:p>
             <a:r>
               <a:rPr lang="en-US" dirty="0"/>
-              <a:t>More Resources (2)</a:t>
+              <a:t>More Resources (1)</a:t>
             </a:r>
           </a:p>
         </p:txBody>
@@ -4721,7 +4853,7 @@
         <p:spPr/>
         <p:txBody>
           <a:bodyPr>
-            <a:normAutofit fontScale="62500" lnSpcReduction="20000"/>
+            <a:normAutofit fontScale="70000" lnSpcReduction="20000"/>
           </a:bodyPr>
           <a:lstStyle/>
           <a:p>
@@ -4729,7 +4861,7 @@
               <a:rPr lang="en-US" dirty="0">
                 <a:hlinkClick r:id="rId2"/>
               </a:rPr>
-              <a:t>https://www.npmjs.com/package/@azure/cosmos</a:t>
+              <a:t>https://medium.com/codingthesmartway-com-blog/the-mern-stack-tutorial-building-a-react-crud-application-from-start-to-finish-part-1-d8d701c2995</a:t>
             </a:r>
             <a:endParaRPr lang="en-US" dirty="0"/>
           </a:p>
@@ -4738,7 +4870,7 @@
               <a:rPr lang="en-US" dirty="0">
                 <a:hlinkClick r:id="rId3"/>
               </a:rPr>
-              <a:t>https://reactjs.org/docs/handling-events.html</a:t>
+              <a:t>https://jasonwatmore.com/post/2018/09/11/react-basic-http-authentication-tutorial-example</a:t>
             </a:r>
             <a:endParaRPr lang="en-US" dirty="0"/>
           </a:p>
@@ -4747,7 +4879,7 @@
               <a:rPr lang="en-US" dirty="0">
                 <a:hlinkClick r:id="rId4"/>
               </a:rPr>
-              <a:t>https://stackoverflow.com/questions/48434897/how-to-have-a-external-json-config-file-in-react-jsx</a:t>
+              <a:t>https://medium.com/@fiqriismail/how-to-secure-your-reactjs-frontend-with-azure-ad-b2c-8fd165f602e8</a:t>
             </a:r>
             <a:endParaRPr lang="en-US" dirty="0"/>
           </a:p>
@@ -4756,7 +4888,7 @@
               <a:rPr lang="en-US" dirty="0">
                 <a:hlinkClick r:id="rId5"/>
               </a:rPr>
-              <a:t>https://kvaes.wordpress.com/2018/04/04/when-your-single-page-app-needs-cors-and-meets-azure-api-management-with-a-function-backend/</a:t>
+              <a:t>https://docs.microsoft.com/en-us/azure/api-management/api-management-howto-protect-backend-with-aad</a:t>
             </a:r>
             <a:endParaRPr lang="en-US" dirty="0"/>
           </a:p>
@@ -4765,7 +4897,7 @@
               <a:rPr lang="en-US" dirty="0">
                 <a:hlinkClick r:id="rId6"/>
               </a:rPr>
-              <a:t>https://itnext.io/a-memo-on-how-to-implement-azure-ad-authentication-using-react-and-net-core-2-0-3fe9bfdf9f36</a:t>
+              <a:t>https://docs.microsoft.com/en-us/azure/azure-functions/functions-bindings-cosmosdb-v2#input---examples</a:t>
             </a:r>
             <a:endParaRPr lang="en-US" dirty="0"/>
           </a:p>
@@ -4774,7 +4906,7 @@
               <a:rPr lang="en-US" dirty="0">
                 <a:hlinkClick r:id="rId7"/>
               </a:rPr>
-              <a:t>https://stackoverflow.com/questions/50305568/how-to-integrate-azure-ad-into-a-react-web-app-that-consumes-a-rest-api-in-azure</a:t>
+              <a:t>https://docs.microsoft.com/en-us/azure/azure-functions/functions-reference-node</a:t>
             </a:r>
             <a:endParaRPr lang="en-US" dirty="0"/>
           </a:p>
@@ -4783,7 +4915,7 @@
               <a:rPr lang="en-US" dirty="0">
                 <a:hlinkClick r:id="rId8"/>
               </a:rPr>
-              <a:t>https://github.com/salvoravida/react-adal</a:t>
+              <a:t>https://docs.microsoft.com/en-us/azure/azure-functions/functions-create-first-azure-function-azure-cli</a:t>
             </a:r>
             <a:endParaRPr lang="en-US" dirty="0"/>
           </a:p>
@@ -4792,7 +4924,7 @@
               <a:rPr lang="en-US" dirty="0">
                 <a:hlinkClick r:id="rId9"/>
               </a:rPr>
-              <a:t>https://simondoy.com/2016/05/16/dev-diary-s01e06-azure-mvc-web-api-angular-and-adal-js-and-401s/</a:t>
+              <a:t>https://liftcodeplay.com/2018/09/10/enabling-cors-for-azure-function-local-development/</a:t>
             </a:r>
             <a:endParaRPr lang="en-US" dirty="0"/>
           </a:p>
@@ -4801,25 +4933,7 @@
               <a:rPr lang="en-US" dirty="0">
                 <a:hlinkClick r:id="rId10"/>
               </a:rPr>
-              <a:t>https://blogs.msdn.microsoft.com/ben/2018/11/07/client-app-calling-azure-function-with-aad/</a:t>
-            </a:r>
-            <a:endParaRPr lang="en-US" dirty="0"/>
-          </a:p>
-          <a:p>
-            <a:r>
-              <a:rPr lang="en-US" dirty="0">
-                <a:hlinkClick r:id="rId11"/>
-              </a:rPr>
-              <a:t>https://adatum.no/azure/azure-ad-authentication-in-azure-functions</a:t>
-            </a:r>
-            <a:endParaRPr lang="en-US" dirty="0"/>
-          </a:p>
-          <a:p>
-            <a:r>
-              <a:rPr lang="en-US" dirty="0">
-                <a:hlinkClick r:id="rId12"/>
-              </a:rPr>
-              <a:t>https://www.koskila.net/how-to-fix-admin-consent-issues-aadsts65001/</a:t>
+              <a:t>https://stackoverflow.com/questions/52852018/use-npm-uuid-in-reactjs</a:t>
             </a:r>
             <a:endParaRPr lang="en-US" dirty="0"/>
           </a:p>
@@ -4831,7 +4945,7 @@
     </p:spTree>
     <p:extLst>
       <p:ext uri="{BB962C8B-B14F-4D97-AF65-F5344CB8AC3E}">
-        <p14:creationId xmlns:p14="http://schemas.microsoft.com/office/powerpoint/2010/main" val="1151640664"/>
+        <p14:creationId xmlns:p14="http://schemas.microsoft.com/office/powerpoint/2010/main" val="2839819500"/>
       </p:ext>
     </p:extLst>
   </p:cSld>
@@ -4863,7 +4977,7 @@
           <p:cNvPr id="2" name="Title 1">
             <a:extLst>
               <a:ext uri="{FF2B5EF4-FFF2-40B4-BE49-F238E27FC236}">
-                <a16:creationId xmlns:a16="http://schemas.microsoft.com/office/drawing/2014/main" id="{0688208C-FCCC-4087-8CFB-7EA57C2D0CCD}"/>
+                <a16:creationId xmlns:a16="http://schemas.microsoft.com/office/drawing/2014/main" id="{87CB4139-03BA-4578-8AA0-665B5E166079}"/>
               </a:ext>
             </a:extLst>
           </p:cNvPr>
@@ -4881,90 +4995,141 @@
           <a:p>
             <a:r>
               <a:rPr lang="en-US" dirty="0"/>
-              <a:t>Reference Architecture</a:t>
-            </a:r>
-          </a:p>
-        </p:txBody>
-      </p:sp>
-      <p:pic>
-        <p:nvPicPr>
-          <p:cNvPr id="4" name="Picture 3" descr="A screenshot of a cell phone&#10;&#10;Description automatically generated">
-            <a:extLst>
-              <a:ext uri="{FF2B5EF4-FFF2-40B4-BE49-F238E27FC236}">
-                <a16:creationId xmlns:a16="http://schemas.microsoft.com/office/drawing/2014/main" id="{1016B49D-3D74-430C-8DBD-28F21F0BAE80}"/>
-              </a:ext>
-            </a:extLst>
-          </p:cNvPr>
-          <p:cNvPicPr>
-            <a:picLocks noChangeAspect="1"/>
-          </p:cNvPicPr>
-          <p:nvPr/>
-        </p:nvPicPr>
-        <p:blipFill>
-          <a:blip r:embed="rId2">
-            <a:extLst>
-              <a:ext uri="{28A0092B-C50C-407E-A947-70E740481C1C}">
-                <a14:useLocalDpi xmlns:a14="http://schemas.microsoft.com/office/drawing/2010/main" val="0"/>
-              </a:ext>
-            </a:extLst>
-          </a:blip>
-          <a:stretch>
-            <a:fillRect/>
-          </a:stretch>
-        </p:blipFill>
-        <p:spPr>
-          <a:xfrm>
-            <a:off x="1580759" y="2088819"/>
-            <a:ext cx="8615784" cy="3866708"/>
-          </a:xfrm>
-          <a:prstGeom prst="rect">
-            <a:avLst/>
-          </a:prstGeom>
-        </p:spPr>
-      </p:pic>
-      <p:pic>
-        <p:nvPicPr>
-          <p:cNvPr id="6" name="Graphic 5">
-            <a:extLst>
-              <a:ext uri="{FF2B5EF4-FFF2-40B4-BE49-F238E27FC236}">
-                <a16:creationId xmlns:a16="http://schemas.microsoft.com/office/drawing/2014/main" id="{8AC367C8-C80B-4B84-984A-ABC342ACCEC6}"/>
-              </a:ext>
-            </a:extLst>
-          </p:cNvPr>
-          <p:cNvPicPr>
-            <a:picLocks noChangeAspect="1"/>
-          </p:cNvPicPr>
-          <p:nvPr/>
-        </p:nvPicPr>
-        <p:blipFill>
-          <a:blip r:embed="rId3">
-            <a:extLst>
-              <a:ext uri="{28A0092B-C50C-407E-A947-70E740481C1C}">
-                <a14:useLocalDpi xmlns:a14="http://schemas.microsoft.com/office/drawing/2010/main" val="0"/>
-              </a:ext>
-              <a:ext uri="{96DAC541-7B7A-43D3-8B79-37D633B846F1}">
-                <asvg:svgBlip xmlns:asvg="http://schemas.microsoft.com/office/drawing/2016/SVG/main" r:embed="rId4"/>
-              </a:ext>
-            </a:extLst>
-          </a:blip>
-          <a:stretch>
-            <a:fillRect/>
-          </a:stretch>
-        </p:blipFill>
-        <p:spPr>
-          <a:xfrm>
-            <a:off x="5857875" y="3190875"/>
-            <a:ext cx="476250" cy="476250"/>
-          </a:xfrm>
-          <a:prstGeom prst="rect">
-            <a:avLst/>
-          </a:prstGeom>
-        </p:spPr>
-      </p:pic>
+              <a:t>More Resources (2)</a:t>
+            </a:r>
+          </a:p>
+        </p:txBody>
+      </p:sp>
+      <p:sp>
+        <p:nvSpPr>
+          <p:cNvPr id="3" name="Content Placeholder 2">
+            <a:extLst>
+              <a:ext uri="{FF2B5EF4-FFF2-40B4-BE49-F238E27FC236}">
+                <a16:creationId xmlns:a16="http://schemas.microsoft.com/office/drawing/2014/main" id="{B66B0939-A2F1-423E-99E4-BAB852BF7460}"/>
+              </a:ext>
+            </a:extLst>
+          </p:cNvPr>
+          <p:cNvSpPr>
+            <a:spLocks noGrp="1"/>
+          </p:cNvSpPr>
+          <p:nvPr>
+            <p:ph idx="1"/>
+          </p:nvPr>
+        </p:nvSpPr>
+        <p:spPr/>
+        <p:txBody>
+          <a:bodyPr>
+            <a:normAutofit fontScale="62500" lnSpcReduction="20000"/>
+          </a:bodyPr>
+          <a:lstStyle/>
+          <a:p>
+            <a:r>
+              <a:rPr lang="en-US" dirty="0">
+                <a:hlinkClick r:id="rId2"/>
+              </a:rPr>
+              <a:t>https://www.npmjs.com/package/@azure/cosmos</a:t>
+            </a:r>
+            <a:endParaRPr lang="en-US" dirty="0"/>
+          </a:p>
+          <a:p>
+            <a:r>
+              <a:rPr lang="en-US" dirty="0">
+                <a:hlinkClick r:id="rId3"/>
+              </a:rPr>
+              <a:t>https://reactjs.org/docs/handling-events.html</a:t>
+            </a:r>
+            <a:endParaRPr lang="en-US" dirty="0"/>
+          </a:p>
+          <a:p>
+            <a:r>
+              <a:rPr lang="en-US" dirty="0">
+                <a:hlinkClick r:id="rId4"/>
+              </a:rPr>
+              <a:t>https://stackoverflow.com/questions/48434897/how-to-have-a-external-json-config-file-in-react-jsx</a:t>
+            </a:r>
+            <a:endParaRPr lang="en-US" dirty="0"/>
+          </a:p>
+          <a:p>
+            <a:r>
+              <a:rPr lang="en-US" dirty="0">
+                <a:hlinkClick r:id="rId5"/>
+              </a:rPr>
+              <a:t>https://kvaes.wordpress.com/2018/04/04/when-your-single-page-app-needs-cors-and-meets-azure-api-management-with-a-function-backend/</a:t>
+            </a:r>
+            <a:endParaRPr lang="en-US" dirty="0"/>
+          </a:p>
+          <a:p>
+            <a:r>
+              <a:rPr lang="en-US" dirty="0">
+                <a:hlinkClick r:id="rId6"/>
+              </a:rPr>
+              <a:t>https://itnext.io/a-memo-on-how-to-implement-azure-ad-authentication-using-react-and-net-core-2-0-3fe9bfdf9f36</a:t>
+            </a:r>
+            <a:endParaRPr lang="en-US" dirty="0"/>
+          </a:p>
+          <a:p>
+            <a:r>
+              <a:rPr lang="en-US" dirty="0">
+                <a:hlinkClick r:id="rId7"/>
+              </a:rPr>
+              <a:t>https://stackoverflow.com/questions/50305568/how-to-integrate-azure-ad-into-a-react-web-app-that-consumes-a-rest-api-in-azure</a:t>
+            </a:r>
+            <a:endParaRPr lang="en-US" dirty="0"/>
+          </a:p>
+          <a:p>
+            <a:r>
+              <a:rPr lang="en-US" dirty="0">
+                <a:hlinkClick r:id="rId8"/>
+              </a:rPr>
+              <a:t>https://github.com/salvoravida/react-adal</a:t>
+            </a:r>
+            <a:endParaRPr lang="en-US" dirty="0"/>
+          </a:p>
+          <a:p>
+            <a:r>
+              <a:rPr lang="en-US" dirty="0">
+                <a:hlinkClick r:id="rId9"/>
+              </a:rPr>
+              <a:t>https://simondoy.com/2016/05/16/dev-diary-s01e06-azure-mvc-web-api-angular-and-adal-js-and-401s/</a:t>
+            </a:r>
+            <a:endParaRPr lang="en-US" dirty="0"/>
+          </a:p>
+          <a:p>
+            <a:r>
+              <a:rPr lang="en-US" dirty="0">
+                <a:hlinkClick r:id="rId10"/>
+              </a:rPr>
+              <a:t>https://blogs.msdn.microsoft.com/ben/2018/11/07/client-app-calling-azure-function-with-aad/</a:t>
+            </a:r>
+            <a:endParaRPr lang="en-US" dirty="0"/>
+          </a:p>
+          <a:p>
+            <a:r>
+              <a:rPr lang="en-US" dirty="0">
+                <a:hlinkClick r:id="rId11"/>
+              </a:rPr>
+              <a:t>https://adatum.no/azure/azure-ad-authentication-in-azure-functions</a:t>
+            </a:r>
+            <a:endParaRPr lang="en-US" dirty="0"/>
+          </a:p>
+          <a:p>
+            <a:r>
+              <a:rPr lang="en-US" dirty="0">
+                <a:hlinkClick r:id="rId12"/>
+              </a:rPr>
+              <a:t>https://www.koskila.net/how-to-fix-admin-consent-issues-aadsts65001/</a:t>
+            </a:r>
+            <a:endParaRPr lang="en-US" dirty="0"/>
+          </a:p>
+          <a:p>
+            <a:endParaRPr lang="en-US" dirty="0"/>
+          </a:p>
+        </p:txBody>
+      </p:sp>
     </p:spTree>
     <p:extLst>
       <p:ext uri="{BB962C8B-B14F-4D97-AF65-F5344CB8AC3E}">
-        <p14:creationId xmlns:p14="http://schemas.microsoft.com/office/powerpoint/2010/main" val="2950047034"/>
+        <p14:creationId xmlns:p14="http://schemas.microsoft.com/office/powerpoint/2010/main" val="1151640664"/>
       </p:ext>
     </p:extLst>
   </p:cSld>

--- a/docs/Serverless-PoC.pptx
+++ b/docs/Serverless-PoC.pptx
@@ -4603,8 +4603,12 @@
           <a:lstStyle/>
           <a:p>
             <a:r>
-              <a:rPr lang="en-US" dirty="0"/>
-              <a:t>Azure DevOps Repo </a:t>
+              <a:rPr lang="en-US" dirty="0" err="1"/>
+              <a:t>Github</a:t>
+            </a:r>
+            <a:r>
+              <a:rPr lang="en-US"/>
+              <a:t> Repo </a:t>
             </a:r>
             <a:r>
               <a:rPr lang="en-US" dirty="0">
